--- a/GIP-PPT-2_RS_AdH.pptx
+++ b/GIP-PPT-2_RS_AdH.pptx
@@ -5,16 +5,19 @@
     <p:sldMasterId id="2147483660" r:id="rId1"/>
   </p:sldMasterIdLst>
   <p:notesMasterIdLst>
-    <p:notesMasterId r:id="rId6"/>
+    <p:notesMasterId r:id="rId9"/>
   </p:notesMasterIdLst>
   <p:handoutMasterIdLst>
-    <p:handoutMasterId r:id="rId7"/>
+    <p:handoutMasterId r:id="rId10"/>
   </p:handoutMasterIdLst>
   <p:sldIdLst>
     <p:sldId id="256" r:id="rId2"/>
     <p:sldId id="257" r:id="rId3"/>
-    <p:sldId id="258" r:id="rId4"/>
-    <p:sldId id="259" r:id="rId5"/>
+    <p:sldId id="260" r:id="rId4"/>
+    <p:sldId id="261" r:id="rId5"/>
+    <p:sldId id="262" r:id="rId6"/>
+    <p:sldId id="263" r:id="rId7"/>
+    <p:sldId id="264" r:id="rId8"/>
   </p:sldIdLst>
   <p:sldSz cx="12188825" cy="6858000"/>
   <p:notesSz cx="6858000" cy="9144000"/>
@@ -275,7 +278,7 @@
             <a:pPr rtl="0"/>
             <a:fld id="{2A0E238E-B9AA-45B3-B200-2A4DD06FF661}" type="datetime1">
               <a:rPr lang="nl-NL" smtClean="0"/>
-              <a:t>21-3-2019</a:t>
+              <a:t>22-3-2019</a:t>
             </a:fld>
             <a:endParaRPr lang="nl-NL" dirty="0"/>
           </a:p>
@@ -444,7 +447,7 @@
             <a:fld id="{80A487A8-2513-479A-9F01-B9D81311E0C9}" type="datetime1">
               <a:rPr lang="nl-NL" smtClean="0"/>
               <a:pPr/>
-              <a:t>21-3-2019</a:t>
+              <a:t>22-3-2019</a:t>
             </a:fld>
             <a:endParaRPr lang="nl-NL" dirty="0"/>
           </a:p>
@@ -1116,7 +1119,7 @@
             <a:fld id="{A2F951A6-1D06-4D13-9B1E-D077D47F70C0}" type="datetime1">
               <a:rPr lang="nl-NL" smtClean="0"/>
               <a:pPr/>
-              <a:t>21-3-2019</a:t>
+              <a:t>22-3-2019</a:t>
             </a:fld>
             <a:endParaRPr lang="nl-NL" dirty="0"/>
           </a:p>
@@ -1353,7 +1356,7 @@
             <a:fld id="{8690A96E-1D96-45C4-A6F5-8B0BA31CC1A7}" type="datetime1">
               <a:rPr lang="nl-NL" smtClean="0"/>
               <a:pPr/>
-              <a:t>21-3-2019</a:t>
+              <a:t>22-3-2019</a:t>
             </a:fld>
             <a:endParaRPr lang="nl-NL" dirty="0"/>
           </a:p>
@@ -1583,7 +1586,7 @@
             <a:fld id="{254FE5AD-306B-482C-9D77-D183264DF6A1}" type="datetime1">
               <a:rPr lang="nl-NL" smtClean="0"/>
               <a:pPr/>
-              <a:t>21-3-2019</a:t>
+              <a:t>22-3-2019</a:t>
             </a:fld>
             <a:endParaRPr lang="nl-NL" dirty="0"/>
           </a:p>
@@ -1808,7 +1811,7 @@
             <a:fld id="{F90E6A59-AB3C-47A1-891B-E92200E08C45}" type="datetime1">
               <a:rPr lang="nl-NL" smtClean="0"/>
               <a:pPr/>
-              <a:t>21-3-2019</a:t>
+              <a:t>22-3-2019</a:t>
             </a:fld>
             <a:endParaRPr lang="nl-NL" dirty="0"/>
           </a:p>
@@ -2082,7 +2085,7 @@
             <a:fld id="{8BAFBFE7-D6DF-4F92-87FC-BD858C62D3F0}" type="datetime1">
               <a:rPr lang="nl-NL" smtClean="0"/>
               <a:pPr/>
-              <a:t>21-3-2019</a:t>
+              <a:t>22-3-2019</a:t>
             </a:fld>
             <a:endParaRPr lang="nl-NL" dirty="0"/>
           </a:p>
@@ -2392,7 +2395,7 @@
             <a:fld id="{8E3DC7CE-C6B6-4E8D-A59A-9F23D112E903}" type="datetime1">
               <a:rPr lang="nl-NL" smtClean="0"/>
               <a:pPr/>
-              <a:t>21-3-2019</a:t>
+              <a:t>22-3-2019</a:t>
             </a:fld>
             <a:endParaRPr lang="nl-NL" dirty="0"/>
           </a:p>
@@ -2850,7 +2853,7 @@
             <a:fld id="{20303E47-4A95-4550-9F12-559EDC999436}" type="datetime1">
               <a:rPr lang="nl-NL" smtClean="0"/>
               <a:pPr/>
-              <a:t>21-3-2019</a:t>
+              <a:t>22-3-2019</a:t>
             </a:fld>
             <a:endParaRPr lang="nl-NL" dirty="0"/>
           </a:p>
@@ -2991,7 +2994,7 @@
             <a:fld id="{35AB537B-CE98-48CB-A314-6011C45FC7F1}" type="datetime1">
               <a:rPr lang="nl-NL" smtClean="0"/>
               <a:pPr/>
-              <a:t>21-3-2019</a:t>
+              <a:t>22-3-2019</a:t>
             </a:fld>
             <a:endParaRPr lang="nl-NL" dirty="0"/>
           </a:p>
@@ -3108,7 +3111,7 @@
             <a:fld id="{1DBF508E-A681-4D4D-81E0-99FA3E1F2380}" type="datetime1">
               <a:rPr lang="nl-NL" smtClean="0"/>
               <a:pPr/>
-              <a:t>21-3-2019</a:t>
+              <a:t>22-3-2019</a:t>
             </a:fld>
             <a:endParaRPr lang="nl-NL" dirty="0"/>
           </a:p>
@@ -3416,7 +3419,7 @@
             <a:fld id="{A269F74F-5AB5-425C-92D3-6B9D9DA1CB37}" type="datetime1">
               <a:rPr lang="nl-NL" smtClean="0"/>
               <a:pPr/>
-              <a:t>21-3-2019</a:t>
+              <a:t>22-3-2019</a:t>
             </a:fld>
             <a:endParaRPr lang="nl-NL" dirty="0"/>
           </a:p>
@@ -3720,7 +3723,7 @@
             <a:fld id="{6F3B9670-CA0F-4BAE-9646-FD24346499F6}" type="datetime1">
               <a:rPr lang="nl-NL" smtClean="0"/>
               <a:pPr/>
-              <a:t>21-3-2019</a:t>
+              <a:t>22-3-2019</a:t>
             </a:fld>
             <a:endParaRPr lang="nl-NL" dirty="0"/>
           </a:p>
@@ -4019,7 +4022,7 @@
             <a:fld id="{8A1DC49B-26B1-41D3-BFFA-9D974435E1DF}" type="datetime1">
               <a:rPr lang="nl-NL" smtClean="0"/>
               <a:pPr/>
-              <a:t>21-3-2019</a:t>
+              <a:t>22-3-2019</a:t>
             </a:fld>
             <a:endParaRPr lang="nl-NL" dirty="0"/>
           </a:p>
@@ -4613,6 +4616,36 @@
           <a:p>
             <a:r>
               <a:rPr lang="nl-NL" dirty="0"/>
+              <a:t>Beoogde eindresultaat</a:t>
+            </a:r>
+          </a:p>
+          <a:p>
+            <a:r>
+              <a:rPr lang="nl-NL" dirty="0"/>
+              <a:t>Detailontwerp </a:t>
+            </a:r>
+          </a:p>
+          <a:p>
+            <a:r>
+              <a:rPr lang="nl-NL" dirty="0"/>
+              <a:t>Belangrijke schema’s</a:t>
+            </a:r>
+          </a:p>
+          <a:p>
+            <a:r>
+              <a:rPr lang="nl-NL" dirty="0"/>
+              <a:t>Werkpunten proces 1</a:t>
+            </a:r>
+          </a:p>
+          <a:p>
+            <a:r>
+              <a:rPr lang="nl-NL" dirty="0"/>
+              <a:t>Stand van zaken</a:t>
+            </a:r>
+          </a:p>
+          <a:p>
+            <a:r>
+              <a:rPr lang="nl-NL" dirty="0"/>
               <a:t>Probleemstelling</a:t>
             </a:r>
           </a:p>
@@ -4694,7 +4727,7 @@
           <a:p>
             <a:r>
               <a:rPr lang="nl-NL" dirty="0"/>
-              <a:t>Probleemstelling</a:t>
+              <a:t>Beoogde eindresultaat</a:t>
             </a:r>
           </a:p>
         </p:txBody>
@@ -4727,68 +4760,513 @@
           <a:p>
             <a:r>
               <a:rPr lang="nl-NL" dirty="0"/>
-              <a:t>Klimaat verslechterd</a:t>
-            </a:r>
-          </a:p>
-          <a:p>
-            <a:r>
-              <a:rPr lang="nl-NL" dirty="0"/>
-              <a:t>Jonger protesteren</a:t>
-            </a:r>
-          </a:p>
-        </p:txBody>
-      </p:sp>
-      <p:pic>
-        <p:nvPicPr>
-          <p:cNvPr id="1030" name="Picture 6" descr="Afbeeldingsresultaat voor protest klimaat">
+              <a:t>Meter dat locatie, tijd, temperatuur, vochtigheid, CO² en lichtsterkte meet.</a:t>
+            </a:r>
+          </a:p>
+          <a:p>
+            <a:r>
+              <a:rPr lang="nl-NL" dirty="0"/>
+              <a:t>Data naar website via WAN module of SD-kaart.</a:t>
+            </a:r>
+          </a:p>
+          <a:p>
+            <a:r>
+              <a:rPr lang="nl-NL" dirty="0"/>
+              <a:t>Metingen gebonden aan de ingelogde gebruiker.</a:t>
+            </a:r>
+          </a:p>
+          <a:p>
+            <a:r>
+              <a:rPr lang="nl-NL" dirty="0"/>
+              <a:t>Grafieken gebied gebonden maken.</a:t>
+            </a:r>
+          </a:p>
+          <a:p>
+            <a:r>
+              <a:rPr lang="nl-NL" dirty="0"/>
+              <a:t>Duidelijk overzicht van de luchtkwaliteit evolutie weergeven.</a:t>
+            </a:r>
+          </a:p>
+          <a:p>
+            <a:endParaRPr lang="nl-NL" dirty="0"/>
+          </a:p>
+        </p:txBody>
+      </p:sp>
+    </p:spTree>
+    <p:extLst>
+      <p:ext uri="{BB962C8B-B14F-4D97-AF65-F5344CB8AC3E}">
+        <p14:creationId xmlns:p14="http://schemas.microsoft.com/office/powerpoint/2010/main" val="1329686003"/>
+      </p:ext>
+    </p:extLst>
+  </p:cSld>
+  <p:clrMapOvr>
+    <a:masterClrMapping/>
+  </p:clrMapOvr>
+  <mc:AlternateContent xmlns:mc="http://schemas.openxmlformats.org/markup-compatibility/2006" xmlns:p14="http://schemas.microsoft.com/office/powerpoint/2010/main">
+    <mc:Choice Requires="p14">
+      <p:transition spd="med" p14:dur="700">
+        <p:fade/>
+      </p:transition>
+    </mc:Choice>
+    <mc:Fallback xmlns="">
+      <p:transition spd="med">
+        <p:fade/>
+      </p:transition>
+    </mc:Fallback>
+  </mc:AlternateContent>
+  <p:timing>
+    <p:tnLst>
+      <p:par>
+        <p:cTn id="1" dur="indefinite" restart="never" nodeType="tmRoot">
+          <p:childTnLst>
+            <p:seq concurrent="1" nextAc="seek">
+              <p:cTn id="2" dur="indefinite" nodeType="mainSeq">
+                <p:childTnLst>
+                  <p:par>
+                    <p:cTn id="3" fill="hold">
+                      <p:stCondLst>
+                        <p:cond delay="indefinite"/>
+                      </p:stCondLst>
+                      <p:childTnLst>
+                        <p:par>
+                          <p:cTn id="4" fill="hold">
+                            <p:stCondLst>
+                              <p:cond delay="0"/>
+                            </p:stCondLst>
+                            <p:childTnLst>
+                              <p:par>
+                                <p:cTn id="5" presetID="14" presetClass="entr" presetSubtype="10" fill="hold" grpId="0" nodeType="clickEffect">
+                                  <p:stCondLst>
+                                    <p:cond delay="0"/>
+                                  </p:stCondLst>
+                                  <p:childTnLst>
+                                    <p:set>
+                                      <p:cBhvr>
+                                        <p:cTn id="6" dur="1" fill="hold">
+                                          <p:stCondLst>
+                                            <p:cond delay="0"/>
+                                          </p:stCondLst>
+                                        </p:cTn>
+                                        <p:tgtEl>
+                                          <p:spTgt spid="3">
+                                            <p:txEl>
+                                              <p:pRg st="0" end="0"/>
+                                            </p:txEl>
+                                          </p:spTgt>
+                                        </p:tgtEl>
+                                        <p:attrNameLst>
+                                          <p:attrName>style.visibility</p:attrName>
+                                        </p:attrNameLst>
+                                      </p:cBhvr>
+                                      <p:to>
+                                        <p:strVal val="visible"/>
+                                      </p:to>
+                                    </p:set>
+                                    <p:animEffect transition="in" filter="randombar(horizontal)">
+                                      <p:cBhvr>
+                                        <p:cTn id="7" dur="500"/>
+                                        <p:tgtEl>
+                                          <p:spTgt spid="3">
+                                            <p:txEl>
+                                              <p:pRg st="0" end="0"/>
+                                            </p:txEl>
+                                          </p:spTgt>
+                                        </p:tgtEl>
+                                      </p:cBhvr>
+                                    </p:animEffect>
+                                  </p:childTnLst>
+                                </p:cTn>
+                              </p:par>
+                            </p:childTnLst>
+                          </p:cTn>
+                        </p:par>
+                      </p:childTnLst>
+                    </p:cTn>
+                  </p:par>
+                  <p:par>
+                    <p:cTn id="8" fill="hold">
+                      <p:stCondLst>
+                        <p:cond delay="indefinite"/>
+                      </p:stCondLst>
+                      <p:childTnLst>
+                        <p:par>
+                          <p:cTn id="9" fill="hold">
+                            <p:stCondLst>
+                              <p:cond delay="0"/>
+                            </p:stCondLst>
+                            <p:childTnLst>
+                              <p:par>
+                                <p:cTn id="10" presetID="14" presetClass="entr" presetSubtype="10" fill="hold" grpId="0" nodeType="clickEffect">
+                                  <p:stCondLst>
+                                    <p:cond delay="0"/>
+                                  </p:stCondLst>
+                                  <p:childTnLst>
+                                    <p:set>
+                                      <p:cBhvr>
+                                        <p:cTn id="11" dur="1" fill="hold">
+                                          <p:stCondLst>
+                                            <p:cond delay="0"/>
+                                          </p:stCondLst>
+                                        </p:cTn>
+                                        <p:tgtEl>
+                                          <p:spTgt spid="3">
+                                            <p:txEl>
+                                              <p:pRg st="1" end="1"/>
+                                            </p:txEl>
+                                          </p:spTgt>
+                                        </p:tgtEl>
+                                        <p:attrNameLst>
+                                          <p:attrName>style.visibility</p:attrName>
+                                        </p:attrNameLst>
+                                      </p:cBhvr>
+                                      <p:to>
+                                        <p:strVal val="visible"/>
+                                      </p:to>
+                                    </p:set>
+                                    <p:animEffect transition="in" filter="randombar(horizontal)">
+                                      <p:cBhvr>
+                                        <p:cTn id="12" dur="500"/>
+                                        <p:tgtEl>
+                                          <p:spTgt spid="3">
+                                            <p:txEl>
+                                              <p:pRg st="1" end="1"/>
+                                            </p:txEl>
+                                          </p:spTgt>
+                                        </p:tgtEl>
+                                      </p:cBhvr>
+                                    </p:animEffect>
+                                  </p:childTnLst>
+                                </p:cTn>
+                              </p:par>
+                            </p:childTnLst>
+                          </p:cTn>
+                        </p:par>
+                      </p:childTnLst>
+                    </p:cTn>
+                  </p:par>
+                  <p:par>
+                    <p:cTn id="13" fill="hold">
+                      <p:stCondLst>
+                        <p:cond delay="indefinite"/>
+                      </p:stCondLst>
+                      <p:childTnLst>
+                        <p:par>
+                          <p:cTn id="14" fill="hold">
+                            <p:stCondLst>
+                              <p:cond delay="0"/>
+                            </p:stCondLst>
+                            <p:childTnLst>
+                              <p:par>
+                                <p:cTn id="15" presetID="14" presetClass="entr" presetSubtype="10" fill="hold" grpId="0" nodeType="clickEffect">
+                                  <p:stCondLst>
+                                    <p:cond delay="0"/>
+                                  </p:stCondLst>
+                                  <p:childTnLst>
+                                    <p:set>
+                                      <p:cBhvr>
+                                        <p:cTn id="16" dur="1" fill="hold">
+                                          <p:stCondLst>
+                                            <p:cond delay="0"/>
+                                          </p:stCondLst>
+                                        </p:cTn>
+                                        <p:tgtEl>
+                                          <p:spTgt spid="3">
+                                            <p:txEl>
+                                              <p:pRg st="2" end="2"/>
+                                            </p:txEl>
+                                          </p:spTgt>
+                                        </p:tgtEl>
+                                        <p:attrNameLst>
+                                          <p:attrName>style.visibility</p:attrName>
+                                        </p:attrNameLst>
+                                      </p:cBhvr>
+                                      <p:to>
+                                        <p:strVal val="visible"/>
+                                      </p:to>
+                                    </p:set>
+                                    <p:animEffect transition="in" filter="randombar(horizontal)">
+                                      <p:cBhvr>
+                                        <p:cTn id="17" dur="500"/>
+                                        <p:tgtEl>
+                                          <p:spTgt spid="3">
+                                            <p:txEl>
+                                              <p:pRg st="2" end="2"/>
+                                            </p:txEl>
+                                          </p:spTgt>
+                                        </p:tgtEl>
+                                      </p:cBhvr>
+                                    </p:animEffect>
+                                  </p:childTnLst>
+                                </p:cTn>
+                              </p:par>
+                            </p:childTnLst>
+                          </p:cTn>
+                        </p:par>
+                      </p:childTnLst>
+                    </p:cTn>
+                  </p:par>
+                  <p:par>
+                    <p:cTn id="18" fill="hold">
+                      <p:stCondLst>
+                        <p:cond delay="indefinite"/>
+                      </p:stCondLst>
+                      <p:childTnLst>
+                        <p:par>
+                          <p:cTn id="19" fill="hold">
+                            <p:stCondLst>
+                              <p:cond delay="0"/>
+                            </p:stCondLst>
+                            <p:childTnLst>
+                              <p:par>
+                                <p:cTn id="20" presetID="14" presetClass="entr" presetSubtype="10" fill="hold" grpId="0" nodeType="clickEffect">
+                                  <p:stCondLst>
+                                    <p:cond delay="0"/>
+                                  </p:stCondLst>
+                                  <p:childTnLst>
+                                    <p:set>
+                                      <p:cBhvr>
+                                        <p:cTn id="21" dur="1" fill="hold">
+                                          <p:stCondLst>
+                                            <p:cond delay="0"/>
+                                          </p:stCondLst>
+                                        </p:cTn>
+                                        <p:tgtEl>
+                                          <p:spTgt spid="3">
+                                            <p:txEl>
+                                              <p:pRg st="3" end="3"/>
+                                            </p:txEl>
+                                          </p:spTgt>
+                                        </p:tgtEl>
+                                        <p:attrNameLst>
+                                          <p:attrName>style.visibility</p:attrName>
+                                        </p:attrNameLst>
+                                      </p:cBhvr>
+                                      <p:to>
+                                        <p:strVal val="visible"/>
+                                      </p:to>
+                                    </p:set>
+                                    <p:animEffect transition="in" filter="randombar(horizontal)">
+                                      <p:cBhvr>
+                                        <p:cTn id="22" dur="500"/>
+                                        <p:tgtEl>
+                                          <p:spTgt spid="3">
+                                            <p:txEl>
+                                              <p:pRg st="3" end="3"/>
+                                            </p:txEl>
+                                          </p:spTgt>
+                                        </p:tgtEl>
+                                      </p:cBhvr>
+                                    </p:animEffect>
+                                  </p:childTnLst>
+                                </p:cTn>
+                              </p:par>
+                            </p:childTnLst>
+                          </p:cTn>
+                        </p:par>
+                      </p:childTnLst>
+                    </p:cTn>
+                  </p:par>
+                  <p:par>
+                    <p:cTn id="23" fill="hold">
+                      <p:stCondLst>
+                        <p:cond delay="indefinite"/>
+                      </p:stCondLst>
+                      <p:childTnLst>
+                        <p:par>
+                          <p:cTn id="24" fill="hold">
+                            <p:stCondLst>
+                              <p:cond delay="0"/>
+                            </p:stCondLst>
+                            <p:childTnLst>
+                              <p:par>
+                                <p:cTn id="25" presetID="14" presetClass="entr" presetSubtype="10" fill="hold" grpId="0" nodeType="clickEffect">
+                                  <p:stCondLst>
+                                    <p:cond delay="0"/>
+                                  </p:stCondLst>
+                                  <p:childTnLst>
+                                    <p:set>
+                                      <p:cBhvr>
+                                        <p:cTn id="26" dur="1" fill="hold">
+                                          <p:stCondLst>
+                                            <p:cond delay="0"/>
+                                          </p:stCondLst>
+                                        </p:cTn>
+                                        <p:tgtEl>
+                                          <p:spTgt spid="3">
+                                            <p:txEl>
+                                              <p:pRg st="4" end="4"/>
+                                            </p:txEl>
+                                          </p:spTgt>
+                                        </p:tgtEl>
+                                        <p:attrNameLst>
+                                          <p:attrName>style.visibility</p:attrName>
+                                        </p:attrNameLst>
+                                      </p:cBhvr>
+                                      <p:to>
+                                        <p:strVal val="visible"/>
+                                      </p:to>
+                                    </p:set>
+                                    <p:animEffect transition="in" filter="randombar(horizontal)">
+                                      <p:cBhvr>
+                                        <p:cTn id="27" dur="500"/>
+                                        <p:tgtEl>
+                                          <p:spTgt spid="3">
+                                            <p:txEl>
+                                              <p:pRg st="4" end="4"/>
+                                            </p:txEl>
+                                          </p:spTgt>
+                                        </p:tgtEl>
+                                      </p:cBhvr>
+                                    </p:animEffect>
+                                  </p:childTnLst>
+                                </p:cTn>
+                              </p:par>
+                            </p:childTnLst>
+                          </p:cTn>
+                        </p:par>
+                      </p:childTnLst>
+                    </p:cTn>
+                  </p:par>
+                </p:childTnLst>
+              </p:cTn>
+              <p:prevCondLst>
+                <p:cond evt="onPrev" delay="0">
+                  <p:tgtEl>
+                    <p:sldTgt/>
+                  </p:tgtEl>
+                </p:cond>
+              </p:prevCondLst>
+              <p:nextCondLst>
+                <p:cond evt="onNext" delay="0">
+                  <p:tgtEl>
+                    <p:sldTgt/>
+                  </p:tgtEl>
+                </p:cond>
+              </p:nextCondLst>
+            </p:seq>
+          </p:childTnLst>
+        </p:cTn>
+      </p:par>
+    </p:tnLst>
+    <p:bldLst>
+      <p:bldP spid="3" grpId="0" build="p"/>
+    </p:bldLst>
+  </p:timing>
+</p:sld>
+</file>
+
+<file path=ppt/slides/slide4.xml><?xml version="1.0" encoding="utf-8"?>
+<p:sld xmlns:a="http://schemas.openxmlformats.org/drawingml/2006/main" xmlns:r="http://schemas.openxmlformats.org/officeDocument/2006/relationships" xmlns:p="http://schemas.openxmlformats.org/presentationml/2006/main">
+  <p:cSld>
+    <p:spTree>
+      <p:nvGrpSpPr>
+        <p:cNvPr id="1" name=""/>
+        <p:cNvGrpSpPr/>
+        <p:nvPr/>
+      </p:nvGrpSpPr>
+      <p:grpSpPr>
+        <a:xfrm>
+          <a:off x="0" y="0"/>
+          <a:ext cx="0" cy="0"/>
+          <a:chOff x="0" y="0"/>
+          <a:chExt cx="0" cy="0"/>
+        </a:xfrm>
+      </p:grpSpPr>
+      <p:sp>
+        <p:nvSpPr>
+          <p:cNvPr id="2" name="Titel 1">
             <a:extLst>
               <a:ext uri="{FF2B5EF4-FFF2-40B4-BE49-F238E27FC236}">
-                <a16:creationId xmlns:a16="http://schemas.microsoft.com/office/drawing/2014/main" id="{F0F185AF-9108-4327-BC15-C77D7596EC5D}"/>
+                <a16:creationId xmlns:a16="http://schemas.microsoft.com/office/drawing/2014/main" id="{AE4F2381-0194-487E-97C7-DE3B7595BFFE}"/>
               </a:ext>
             </a:extLst>
           </p:cNvPr>
-          <p:cNvPicPr>
-            <a:picLocks noChangeAspect="1" noChangeArrowheads="1"/>
-          </p:cNvPicPr>
+          <p:cNvSpPr>
+            <a:spLocks noGrp="1"/>
+          </p:cNvSpPr>
+          <p:nvPr>
+            <p:ph type="title"/>
+          </p:nvPr>
+        </p:nvSpPr>
+        <p:spPr>
+          <a:xfrm>
+            <a:off x="608726" y="260648"/>
+            <a:ext cx="10971372" cy="1066800"/>
+          </a:xfrm>
+        </p:spPr>
+        <p:txBody>
+          <a:bodyPr/>
+          <a:lstStyle/>
+          <a:p>
+            <a:r>
+              <a:rPr lang="nl-NL" dirty="0"/>
+              <a:t>Belangrijke schema’s</a:t>
+            </a:r>
+          </a:p>
+        </p:txBody>
+      </p:sp>
+      <p:sp>
+        <p:nvSpPr>
+          <p:cNvPr id="3" name="Tijdelijke aanduiding voor inhoud 2">
+            <a:extLst>
+              <a:ext uri="{FF2B5EF4-FFF2-40B4-BE49-F238E27FC236}">
+                <a16:creationId xmlns:a16="http://schemas.microsoft.com/office/drawing/2014/main" id="{198496C8-DDCE-46BD-A6B6-BB4588456D47}"/>
+              </a:ext>
+            </a:extLst>
+          </p:cNvPr>
+          <p:cNvSpPr>
+            <a:spLocks noGrp="1"/>
+          </p:cNvSpPr>
+          <p:nvPr>
+            <p:ph idx="13"/>
+          </p:nvPr>
+        </p:nvSpPr>
+        <p:spPr>
+          <a:xfrm>
+            <a:off x="608726" y="2060848"/>
+            <a:ext cx="10971372" cy="4190999"/>
+          </a:xfrm>
+        </p:spPr>
+        <p:txBody>
+          <a:bodyPr/>
+          <a:lstStyle/>
+          <a:p>
+            <a:endParaRPr lang="nl-NL" dirty="0"/>
+          </a:p>
+        </p:txBody>
+      </p:sp>
+      <p:pic>
+        <p:nvPicPr>
+          <p:cNvPr id="4" name="Afbeelding 3">
+            <a:extLst>
+              <a:ext uri="{FF2B5EF4-FFF2-40B4-BE49-F238E27FC236}">
+                <a16:creationId xmlns:a16="http://schemas.microsoft.com/office/drawing/2014/main" id="{7B138A70-C1B4-4ED7-BBC7-E9DC1748BC5C}"/>
+              </a:ext>
+            </a:extLst>
+          </p:cNvPr>
+          <p:cNvPicPr/>
           <p:nvPr/>
         </p:nvPicPr>
         <p:blipFill>
-          <a:blip r:embed="rId2">
-            <a:extLst>
-              <a:ext uri="{28A0092B-C50C-407E-A947-70E740481C1C}">
-                <a14:useLocalDpi xmlns:a14="http://schemas.microsoft.com/office/drawing/2010/main" val="0"/>
-              </a:ext>
-            </a:extLst>
-          </a:blip>
-          <a:srcRect/>
+          <a:blip r:embed="rId2"/>
           <a:stretch>
             <a:fillRect/>
           </a:stretch>
         </p:blipFill>
-        <p:spPr bwMode="auto">
+        <p:spPr>
           <a:xfrm>
-            <a:off x="6166420" y="1753152"/>
-            <a:ext cx="5024810" cy="3351696"/>
+            <a:off x="1809936" y="1546234"/>
+            <a:ext cx="8568952" cy="5080119"/>
           </a:xfrm>
           <a:prstGeom prst="rect">
             <a:avLst/>
           </a:prstGeom>
-          <a:noFill/>
-          <a:extLst>
-            <a:ext uri="{909E8E84-426E-40DD-AFC4-6F175D3DCCD1}">
-              <a14:hiddenFill xmlns:a14="http://schemas.microsoft.com/office/drawing/2010/main">
-                <a:solidFill>
-                  <a:srgbClr val="FFFFFF"/>
-                </a:solidFill>
-              </a14:hiddenFill>
-            </a:ext>
-          </a:extLst>
         </p:spPr>
       </p:pic>
     </p:spTree>
     <p:extLst>
       <p:ext uri="{BB962C8B-B14F-4D97-AF65-F5344CB8AC3E}">
-        <p14:creationId xmlns:p14="http://schemas.microsoft.com/office/powerpoint/2010/main" val="2924535220"/>
+        <p14:creationId xmlns:p14="http://schemas.microsoft.com/office/powerpoint/2010/main" val="4165716950"/>
       </p:ext>
     </p:extLst>
   </p:cSld>
@@ -4810,7 +5288,7 @@
 </p:sld>
 </file>
 
-<file path=ppt/slides/slide4.xml><?xml version="1.0" encoding="utf-8"?>
+<file path=ppt/slides/slide5.xml><?xml version="1.0" encoding="utf-8"?>
 <p:sld xmlns:a="http://schemas.openxmlformats.org/drawingml/2006/main" xmlns:r="http://schemas.openxmlformats.org/officeDocument/2006/relationships" xmlns:p="http://schemas.openxmlformats.org/presentationml/2006/main">
   <p:cSld>
     <p:spTree>
@@ -4855,7 +5333,7 @@
           <a:p>
             <a:r>
               <a:rPr lang="nl-NL" dirty="0"/>
-              <a:t>Invloed van de verschillende metingen</a:t>
+              <a:t>Belangrijke schema’s</a:t>
             </a:r>
           </a:p>
         </p:txBody>
@@ -4886,49 +5364,171 @@
           <a:bodyPr/>
           <a:lstStyle/>
           <a:p>
-            <a:r>
-              <a:rPr lang="nl-NL" dirty="0"/>
-              <a:t>Broeikasgassen (CO²) in de atmosfeer</a:t>
-            </a:r>
-          </a:p>
-          <a:p>
-            <a:pPr marL="330200" lvl="1" indent="0">
-              <a:buNone/>
-            </a:pPr>
-            <a:r>
-              <a:rPr lang="nl-NL" dirty="0"/>
-              <a:t>	Temperatuur stijgt	        Gletsjers smelten		Zeespiegel stijgt</a:t>
-            </a:r>
-          </a:p>
-          <a:p>
-            <a:r>
-              <a:rPr lang="nl-NL" dirty="0"/>
-              <a:t>Klimaatverandering  	     temperatuur en vochtigheid</a:t>
-            </a:r>
-          </a:p>
-          <a:p>
-            <a:r>
-              <a:rPr lang="nl-NL" dirty="0"/>
-              <a:t>Lichtvervuiling	     Lichtsterkte (vooral ‘s nachts) </a:t>
-            </a:r>
-          </a:p>
-          <a:p>
-            <a:pPr marL="330200" lvl="1" indent="0">
-              <a:buNone/>
-            </a:pPr>
-            <a:r>
-              <a:rPr lang="nl-NL" dirty="0"/>
-              <a:t>		</a:t>
-            </a:r>
-          </a:p>
-          <a:p>
-            <a:pPr marL="330200" lvl="1" indent="0">
-              <a:buNone/>
-            </a:pPr>
-            <a:r>
-              <a:rPr lang="nl-NL" dirty="0"/>
-              <a:t>	</a:t>
-            </a:r>
+            <a:endParaRPr lang="nl-NL" dirty="0"/>
+          </a:p>
+        </p:txBody>
+      </p:sp>
+      <p:pic>
+        <p:nvPicPr>
+          <p:cNvPr id="5" name="Afbeelding 4">
+            <a:extLst>
+              <a:ext uri="{FF2B5EF4-FFF2-40B4-BE49-F238E27FC236}">
+                <a16:creationId xmlns:a16="http://schemas.microsoft.com/office/drawing/2014/main" id="{440B5A3E-BAD6-4CAF-8EA6-7A82E48D42BA}"/>
+              </a:ext>
+            </a:extLst>
+          </p:cNvPr>
+          <p:cNvPicPr/>
+          <p:nvPr/>
+        </p:nvPicPr>
+        <p:blipFill>
+          <a:blip r:embed="rId2"/>
+          <a:stretch>
+            <a:fillRect/>
+          </a:stretch>
+        </p:blipFill>
+        <p:spPr>
+          <a:xfrm>
+            <a:off x="2530016" y="1641532"/>
+            <a:ext cx="7128792" cy="4924399"/>
+          </a:xfrm>
+          <a:prstGeom prst="rect">
+            <a:avLst/>
+          </a:prstGeom>
+        </p:spPr>
+      </p:pic>
+    </p:spTree>
+    <p:extLst>
+      <p:ext uri="{BB962C8B-B14F-4D97-AF65-F5344CB8AC3E}">
+        <p14:creationId xmlns:p14="http://schemas.microsoft.com/office/powerpoint/2010/main" val="1402070498"/>
+      </p:ext>
+    </p:extLst>
+  </p:cSld>
+  <p:clrMapOvr>
+    <a:masterClrMapping/>
+  </p:clrMapOvr>
+  <mc:AlternateContent xmlns:mc="http://schemas.openxmlformats.org/markup-compatibility/2006" xmlns:p14="http://schemas.microsoft.com/office/powerpoint/2010/main">
+    <mc:Choice Requires="p14">
+      <p:transition spd="med" p14:dur="700">
+        <p:fade/>
+      </p:transition>
+    </mc:Choice>
+    <mc:Fallback xmlns="">
+      <p:transition spd="med">
+        <p:fade/>
+      </p:transition>
+    </mc:Fallback>
+  </mc:AlternateContent>
+</p:sld>
+</file>
+
+<file path=ppt/slides/slide6.xml><?xml version="1.0" encoding="utf-8"?>
+<p:sld xmlns:a="http://schemas.openxmlformats.org/drawingml/2006/main" xmlns:r="http://schemas.openxmlformats.org/officeDocument/2006/relationships" xmlns:p="http://schemas.openxmlformats.org/presentationml/2006/main">
+  <p:cSld>
+    <p:spTree>
+      <p:nvGrpSpPr>
+        <p:cNvPr id="1" name=""/>
+        <p:cNvGrpSpPr/>
+        <p:nvPr/>
+      </p:nvGrpSpPr>
+      <p:grpSpPr>
+        <a:xfrm>
+          <a:off x="0" y="0"/>
+          <a:ext cx="0" cy="0"/>
+          <a:chOff x="0" y="0"/>
+          <a:chExt cx="0" cy="0"/>
+        </a:xfrm>
+      </p:grpSpPr>
+      <p:sp>
+        <p:nvSpPr>
+          <p:cNvPr id="2" name="Titel 1">
+            <a:extLst>
+              <a:ext uri="{FF2B5EF4-FFF2-40B4-BE49-F238E27FC236}">
+                <a16:creationId xmlns:a16="http://schemas.microsoft.com/office/drawing/2014/main" id="{AE4F2381-0194-487E-97C7-DE3B7595BFFE}"/>
+              </a:ext>
+            </a:extLst>
+          </p:cNvPr>
+          <p:cNvSpPr>
+            <a:spLocks noGrp="1"/>
+          </p:cNvSpPr>
+          <p:nvPr>
+            <p:ph type="title"/>
+          </p:nvPr>
+        </p:nvSpPr>
+        <p:spPr>
+          <a:xfrm>
+            <a:off x="608726" y="260648"/>
+            <a:ext cx="10971372" cy="1066800"/>
+          </a:xfrm>
+        </p:spPr>
+        <p:txBody>
+          <a:bodyPr/>
+          <a:lstStyle/>
+          <a:p>
+            <a:r>
+              <a:rPr lang="nl-NL" dirty="0"/>
+              <a:t>Werkpunten proces 1</a:t>
+            </a:r>
+          </a:p>
+        </p:txBody>
+      </p:sp>
+      <p:sp>
+        <p:nvSpPr>
+          <p:cNvPr id="3" name="Tijdelijke aanduiding voor inhoud 2">
+            <a:extLst>
+              <a:ext uri="{FF2B5EF4-FFF2-40B4-BE49-F238E27FC236}">
+                <a16:creationId xmlns:a16="http://schemas.microsoft.com/office/drawing/2014/main" id="{198496C8-DDCE-46BD-A6B6-BB4588456D47}"/>
+              </a:ext>
+            </a:extLst>
+          </p:cNvPr>
+          <p:cNvSpPr>
+            <a:spLocks noGrp="1"/>
+          </p:cNvSpPr>
+          <p:nvPr>
+            <p:ph idx="13"/>
+          </p:nvPr>
+        </p:nvSpPr>
+        <p:spPr>
+          <a:xfrm>
+            <a:off x="608726" y="2060848"/>
+            <a:ext cx="10971372" cy="4190999"/>
+          </a:xfrm>
+        </p:spPr>
+        <p:txBody>
+          <a:bodyPr/>
+          <a:lstStyle/>
+          <a:p>
+            <a:r>
+              <a:rPr lang="nl-NL" dirty="0"/>
+              <a:t>Mogelijkheid om data lokaal te bewaren.	      SD-kaart </a:t>
+            </a:r>
+          </a:p>
+          <a:p>
+            <a:r>
+              <a:rPr lang="nl-NL" dirty="0"/>
+              <a:t>Map op de website. 	  </a:t>
+            </a:r>
+            <a:r>
+              <a:rPr lang="nl-NL" dirty="0" err="1"/>
+              <a:t>Mapbox</a:t>
+            </a:r>
+            <a:endParaRPr lang="nl-NL" dirty="0"/>
+          </a:p>
+          <a:p>
+            <a:r>
+              <a:rPr lang="nl-NL" dirty="0"/>
+              <a:t>Intervallen tussen </a:t>
+            </a:r>
+            <a:r>
+              <a:rPr lang="nl-NL"/>
+              <a:t>metingen zijn snelheidsafhankelijk</a:t>
+            </a:r>
+            <a:r>
+              <a:rPr lang="nl-NL" dirty="0"/>
+              <a:t>.</a:t>
+            </a:r>
+          </a:p>
+          <a:p>
+            <a:endParaRPr lang="nl-NL" dirty="0"/>
           </a:p>
         </p:txBody>
       </p:sp>
@@ -4937,7 +5537,7 @@
           <p:cNvPr id="4" name="Pijl: rechts 3">
             <a:extLst>
               <a:ext uri="{FF2B5EF4-FFF2-40B4-BE49-F238E27FC236}">
-                <a16:creationId xmlns:a16="http://schemas.microsoft.com/office/drawing/2014/main" id="{587801CC-B9F9-4347-9345-E51F274E1B1D}"/>
+                <a16:creationId xmlns:a16="http://schemas.microsoft.com/office/drawing/2014/main" id="{034D505E-B264-4563-82E7-A65FEA154AA9}"/>
               </a:ext>
             </a:extLst>
           </p:cNvPr>
@@ -4946,8 +5546,8 @@
         </p:nvSpPr>
         <p:spPr>
           <a:xfrm>
-            <a:off x="837828" y="2564904"/>
-            <a:ext cx="504056" cy="360040"/>
+            <a:off x="6886500" y="2117935"/>
+            <a:ext cx="504056" cy="288032"/>
           </a:xfrm>
           <a:prstGeom prst="rightArrow">
             <a:avLst/>
@@ -4981,10 +5581,10 @@
       </p:sp>
       <p:sp>
         <p:nvSpPr>
-          <p:cNvPr id="5" name="Pijl: rechts 4">
+          <p:cNvPr id="6" name="Pijl: rechts 5">
             <a:extLst>
               <a:ext uri="{FF2B5EF4-FFF2-40B4-BE49-F238E27FC236}">
-                <a16:creationId xmlns:a16="http://schemas.microsoft.com/office/drawing/2014/main" id="{E0F35728-DBE1-4393-B123-2349FEFAF081}"/>
+                <a16:creationId xmlns:a16="http://schemas.microsoft.com/office/drawing/2014/main" id="{C44C9238-6C4B-4D47-B419-0FAF7BB3F25D}"/>
               </a:ext>
             </a:extLst>
           </p:cNvPr>
@@ -4993,8 +5593,8 @@
         </p:nvSpPr>
         <p:spPr>
           <a:xfrm>
-            <a:off x="4150196" y="2564904"/>
-            <a:ext cx="576064" cy="373360"/>
+            <a:off x="3862164" y="2780928"/>
+            <a:ext cx="504056" cy="288032"/>
           </a:xfrm>
           <a:prstGeom prst="rightArrow">
             <a:avLst/>
@@ -5026,151 +5626,10 @@
           </a:p>
         </p:txBody>
       </p:sp>
-      <p:sp>
-        <p:nvSpPr>
-          <p:cNvPr id="6" name="Pijl: rechts 5">
-            <a:extLst>
-              <a:ext uri="{FF2B5EF4-FFF2-40B4-BE49-F238E27FC236}">
-                <a16:creationId xmlns:a16="http://schemas.microsoft.com/office/drawing/2014/main" id="{266A743B-4419-4093-9337-F4D1DF0C680B}"/>
-              </a:ext>
-            </a:extLst>
-          </p:cNvPr>
-          <p:cNvSpPr/>
-          <p:nvPr/>
-        </p:nvSpPr>
-        <p:spPr>
-          <a:xfrm>
-            <a:off x="7174534" y="2558244"/>
-            <a:ext cx="576064" cy="373360"/>
-          </a:xfrm>
-          <a:prstGeom prst="rightArrow">
-            <a:avLst/>
-          </a:prstGeom>
-          <a:ln>
-            <a:noFill/>
-          </a:ln>
-        </p:spPr>
-        <p:style>
-          <a:lnRef idx="3">
-            <a:schemeClr val="lt1"/>
-          </a:lnRef>
-          <a:fillRef idx="1">
-            <a:schemeClr val="accent2"/>
-          </a:fillRef>
-          <a:effectRef idx="1">
-            <a:schemeClr val="accent2"/>
-          </a:effectRef>
-          <a:fontRef idx="minor">
-            <a:schemeClr val="lt1"/>
-          </a:fontRef>
-        </p:style>
-        <p:txBody>
-          <a:bodyPr rtlCol="0" anchor="ctr"/>
-          <a:lstStyle/>
-          <a:p>
-            <a:pPr algn="ctr"/>
-            <a:endParaRPr lang="nl-NL" dirty="0"/>
-          </a:p>
-        </p:txBody>
-      </p:sp>
-      <p:sp>
-        <p:nvSpPr>
-          <p:cNvPr id="7" name="Pijl: rechts 6">
-            <a:extLst>
-              <a:ext uri="{FF2B5EF4-FFF2-40B4-BE49-F238E27FC236}">
-                <a16:creationId xmlns:a16="http://schemas.microsoft.com/office/drawing/2014/main" id="{B78F3815-F252-4E89-96EB-BEC8688B5653}"/>
-              </a:ext>
-            </a:extLst>
-          </p:cNvPr>
-          <p:cNvSpPr/>
-          <p:nvPr/>
-        </p:nvSpPr>
-        <p:spPr>
-          <a:xfrm>
-            <a:off x="3862164" y="3109413"/>
-            <a:ext cx="720080" cy="373360"/>
-          </a:xfrm>
-          <a:prstGeom prst="rightArrow">
-            <a:avLst/>
-          </a:prstGeom>
-          <a:ln>
-            <a:noFill/>
-          </a:ln>
-        </p:spPr>
-        <p:style>
-          <a:lnRef idx="3">
-            <a:schemeClr val="lt1"/>
-          </a:lnRef>
-          <a:fillRef idx="1">
-            <a:schemeClr val="accent2"/>
-          </a:fillRef>
-          <a:effectRef idx="1">
-            <a:schemeClr val="accent2"/>
-          </a:effectRef>
-          <a:fontRef idx="minor">
-            <a:schemeClr val="lt1"/>
-          </a:fontRef>
-        </p:style>
-        <p:txBody>
-          <a:bodyPr rtlCol="0" anchor="ctr"/>
-          <a:lstStyle/>
-          <a:p>
-            <a:pPr algn="ctr"/>
-            <a:endParaRPr lang="nl-NL" dirty="0"/>
-          </a:p>
-        </p:txBody>
-      </p:sp>
-      <p:sp>
-        <p:nvSpPr>
-          <p:cNvPr id="8" name="Pijl: rechts 7">
-            <a:extLst>
-              <a:ext uri="{FF2B5EF4-FFF2-40B4-BE49-F238E27FC236}">
-                <a16:creationId xmlns:a16="http://schemas.microsoft.com/office/drawing/2014/main" id="{6EBDE59C-0DAF-4478-B1DE-6D81E3C838CE}"/>
-              </a:ext>
-            </a:extLst>
-          </p:cNvPr>
-          <p:cNvSpPr/>
-          <p:nvPr/>
-        </p:nvSpPr>
-        <p:spPr>
-          <a:xfrm>
-            <a:off x="3142084" y="3782987"/>
-            <a:ext cx="576064" cy="373360"/>
-          </a:xfrm>
-          <a:prstGeom prst="rightArrow">
-            <a:avLst/>
-          </a:prstGeom>
-          <a:ln>
-            <a:noFill/>
-          </a:ln>
-        </p:spPr>
-        <p:style>
-          <a:lnRef idx="3">
-            <a:schemeClr val="lt1"/>
-          </a:lnRef>
-          <a:fillRef idx="1">
-            <a:schemeClr val="accent2"/>
-          </a:fillRef>
-          <a:effectRef idx="1">
-            <a:schemeClr val="accent2"/>
-          </a:effectRef>
-          <a:fontRef idx="minor">
-            <a:schemeClr val="lt1"/>
-          </a:fontRef>
-        </p:style>
-        <p:txBody>
-          <a:bodyPr rtlCol="0" anchor="ctr"/>
-          <a:lstStyle/>
-          <a:p>
-            <a:pPr algn="ctr"/>
-            <a:endParaRPr lang="nl-NL" dirty="0"/>
-          </a:p>
-        </p:txBody>
-      </p:sp>
     </p:spTree>
     <p:extLst>
       <p:ext uri="{BB962C8B-B14F-4D97-AF65-F5344CB8AC3E}">
-        <p14:creationId xmlns:p14="http://schemas.microsoft.com/office/powerpoint/2010/main" val="595335917"/>
+        <p14:creationId xmlns:p14="http://schemas.microsoft.com/office/powerpoint/2010/main" val="4229208947"/>
       </p:ext>
     </p:extLst>
   </p:cSld>
@@ -5189,6 +5648,662 @@
       </p:transition>
     </mc:Fallback>
   </mc:AlternateContent>
+</p:sld>
+</file>
+
+<file path=ppt/slides/slide7.xml><?xml version="1.0" encoding="utf-8"?>
+<p:sld xmlns:a="http://schemas.openxmlformats.org/drawingml/2006/main" xmlns:r="http://schemas.openxmlformats.org/officeDocument/2006/relationships" xmlns:p="http://schemas.openxmlformats.org/presentationml/2006/main">
+  <p:cSld>
+    <p:spTree>
+      <p:nvGrpSpPr>
+        <p:cNvPr id="1" name=""/>
+        <p:cNvGrpSpPr/>
+        <p:nvPr/>
+      </p:nvGrpSpPr>
+      <p:grpSpPr>
+        <a:xfrm>
+          <a:off x="0" y="0"/>
+          <a:ext cx="0" cy="0"/>
+          <a:chOff x="0" y="0"/>
+          <a:chExt cx="0" cy="0"/>
+        </a:xfrm>
+      </p:grpSpPr>
+      <p:sp>
+        <p:nvSpPr>
+          <p:cNvPr id="2" name="Titel 1">
+            <a:extLst>
+              <a:ext uri="{FF2B5EF4-FFF2-40B4-BE49-F238E27FC236}">
+                <a16:creationId xmlns:a16="http://schemas.microsoft.com/office/drawing/2014/main" id="{AE4F2381-0194-487E-97C7-DE3B7595BFFE}"/>
+              </a:ext>
+            </a:extLst>
+          </p:cNvPr>
+          <p:cNvSpPr>
+            <a:spLocks noGrp="1"/>
+          </p:cNvSpPr>
+          <p:nvPr>
+            <p:ph type="title"/>
+          </p:nvPr>
+        </p:nvSpPr>
+        <p:spPr>
+          <a:xfrm>
+            <a:off x="608726" y="260648"/>
+            <a:ext cx="10971372" cy="1066800"/>
+          </a:xfrm>
+        </p:spPr>
+        <p:txBody>
+          <a:bodyPr/>
+          <a:lstStyle/>
+          <a:p>
+            <a:r>
+              <a:rPr lang="nl-NL" dirty="0"/>
+              <a:t>Stand van zaken</a:t>
+            </a:r>
+          </a:p>
+        </p:txBody>
+      </p:sp>
+      <p:sp>
+        <p:nvSpPr>
+          <p:cNvPr id="3" name="Tijdelijke aanduiding voor inhoud 2">
+            <a:extLst>
+              <a:ext uri="{FF2B5EF4-FFF2-40B4-BE49-F238E27FC236}">
+                <a16:creationId xmlns:a16="http://schemas.microsoft.com/office/drawing/2014/main" id="{198496C8-DDCE-46BD-A6B6-BB4588456D47}"/>
+              </a:ext>
+            </a:extLst>
+          </p:cNvPr>
+          <p:cNvSpPr>
+            <a:spLocks noGrp="1"/>
+          </p:cNvSpPr>
+          <p:nvPr>
+            <p:ph idx="13"/>
+          </p:nvPr>
+        </p:nvSpPr>
+        <p:spPr>
+          <a:xfrm>
+            <a:off x="608726" y="2060848"/>
+            <a:ext cx="10971372" cy="4190999"/>
+          </a:xfrm>
+        </p:spPr>
+        <p:txBody>
+          <a:bodyPr/>
+          <a:lstStyle/>
+          <a:p>
+            <a:r>
+              <a:rPr lang="nl-NL" dirty="0"/>
+              <a:t>Energie voorziening van het meettoestel herbekijken.</a:t>
+            </a:r>
+          </a:p>
+          <a:p>
+            <a:r>
+              <a:rPr lang="nl-NL" dirty="0"/>
+              <a:t>Alle data in clusters op de web pagina.</a:t>
+            </a:r>
+          </a:p>
+          <a:p>
+            <a:r>
+              <a:rPr lang="nl-NL" dirty="0"/>
+              <a:t>Website gebruiksvriendelijker maken.</a:t>
+            </a:r>
+          </a:p>
+          <a:p>
+            <a:endParaRPr lang="nl-NL" dirty="0"/>
+          </a:p>
+          <a:p>
+            <a:endParaRPr lang="nl-NL" dirty="0"/>
+          </a:p>
+        </p:txBody>
+      </p:sp>
+      <p:pic>
+        <p:nvPicPr>
+          <p:cNvPr id="5" name="Afbeelding 4">
+            <a:extLst>
+              <a:ext uri="{FF2B5EF4-FFF2-40B4-BE49-F238E27FC236}">
+                <a16:creationId xmlns:a16="http://schemas.microsoft.com/office/drawing/2014/main" id="{E1C598A0-3468-47E4-8F9F-12F7329BCF44}"/>
+              </a:ext>
+            </a:extLst>
+          </p:cNvPr>
+          <p:cNvPicPr>
+            <a:picLocks noChangeAspect="1"/>
+          </p:cNvPicPr>
+          <p:nvPr/>
+        </p:nvPicPr>
+        <p:blipFill>
+          <a:blip r:embed="rId2"/>
+          <a:stretch>
+            <a:fillRect/>
+          </a:stretch>
+        </p:blipFill>
+        <p:spPr>
+          <a:xfrm>
+            <a:off x="6958508" y="2708920"/>
+            <a:ext cx="4115769" cy="2160240"/>
+          </a:xfrm>
+          <a:prstGeom prst="rect">
+            <a:avLst/>
+          </a:prstGeom>
+        </p:spPr>
+      </p:pic>
+    </p:spTree>
+    <p:extLst>
+      <p:ext uri="{BB962C8B-B14F-4D97-AF65-F5344CB8AC3E}">
+        <p14:creationId xmlns:p14="http://schemas.microsoft.com/office/powerpoint/2010/main" val="1653707684"/>
+      </p:ext>
+    </p:extLst>
+  </p:cSld>
+  <p:clrMapOvr>
+    <a:masterClrMapping/>
+  </p:clrMapOvr>
+  <mc:AlternateContent xmlns:mc="http://schemas.openxmlformats.org/markup-compatibility/2006" xmlns:p14="http://schemas.microsoft.com/office/powerpoint/2010/main">
+    <mc:Choice Requires="p14">
+      <p:transition spd="med" p14:dur="700">
+        <p:fade/>
+      </p:transition>
+    </mc:Choice>
+    <mc:Fallback xmlns="">
+      <p:transition spd="med">
+        <p:fade/>
+      </p:transition>
+    </mc:Fallback>
+  </mc:AlternateContent>
+  <p:timing>
+    <p:tnLst>
+      <p:par>
+        <p:cTn id="1" dur="indefinite" restart="never" nodeType="tmRoot">
+          <p:childTnLst>
+            <p:seq concurrent="1" nextAc="seek">
+              <p:cTn id="2" dur="indefinite" nodeType="mainSeq">
+                <p:childTnLst>
+                  <p:par>
+                    <p:cTn id="3" fill="hold">
+                      <p:stCondLst>
+                        <p:cond delay="indefinite"/>
+                      </p:stCondLst>
+                      <p:childTnLst>
+                        <p:par>
+                          <p:cTn id="4" fill="hold">
+                            <p:stCondLst>
+                              <p:cond delay="0"/>
+                            </p:stCondLst>
+                            <p:childTnLst>
+                              <p:par>
+                                <p:cTn id="5" presetID="42" presetClass="entr" presetSubtype="0" fill="hold" grpId="0" nodeType="clickEffect">
+                                  <p:stCondLst>
+                                    <p:cond delay="0"/>
+                                  </p:stCondLst>
+                                  <p:childTnLst>
+                                    <p:set>
+                                      <p:cBhvr>
+                                        <p:cTn id="6" dur="1" fill="hold">
+                                          <p:stCondLst>
+                                            <p:cond delay="0"/>
+                                          </p:stCondLst>
+                                        </p:cTn>
+                                        <p:tgtEl>
+                                          <p:spTgt spid="3">
+                                            <p:txEl>
+                                              <p:pRg st="0" end="0"/>
+                                            </p:txEl>
+                                          </p:spTgt>
+                                        </p:tgtEl>
+                                        <p:attrNameLst>
+                                          <p:attrName>style.visibility</p:attrName>
+                                        </p:attrNameLst>
+                                      </p:cBhvr>
+                                      <p:to>
+                                        <p:strVal val="visible"/>
+                                      </p:to>
+                                    </p:set>
+                                    <p:animEffect transition="in" filter="fade">
+                                      <p:cBhvr>
+                                        <p:cTn id="7" dur="1000"/>
+                                        <p:tgtEl>
+                                          <p:spTgt spid="3">
+                                            <p:txEl>
+                                              <p:pRg st="0" end="0"/>
+                                            </p:txEl>
+                                          </p:spTgt>
+                                        </p:tgtEl>
+                                      </p:cBhvr>
+                                    </p:animEffect>
+                                    <p:anim calcmode="lin" valueType="num">
+                                      <p:cBhvr>
+                                        <p:cTn id="8" dur="1000" fill="hold"/>
+                                        <p:tgtEl>
+                                          <p:spTgt spid="3">
+                                            <p:txEl>
+                                              <p:pRg st="0" end="0"/>
+                                            </p:txEl>
+                                          </p:spTgt>
+                                        </p:tgtEl>
+                                        <p:attrNameLst>
+                                          <p:attrName>ppt_x</p:attrName>
+                                        </p:attrNameLst>
+                                      </p:cBhvr>
+                                      <p:tavLst>
+                                        <p:tav tm="0">
+                                          <p:val>
+                                            <p:strVal val="#ppt_x"/>
+                                          </p:val>
+                                        </p:tav>
+                                        <p:tav tm="100000">
+                                          <p:val>
+                                            <p:strVal val="#ppt_x"/>
+                                          </p:val>
+                                        </p:tav>
+                                      </p:tavLst>
+                                    </p:anim>
+                                    <p:anim calcmode="lin" valueType="num">
+                                      <p:cBhvr>
+                                        <p:cTn id="9" dur="1000" fill="hold"/>
+                                        <p:tgtEl>
+                                          <p:spTgt spid="3">
+                                            <p:txEl>
+                                              <p:pRg st="0" end="0"/>
+                                            </p:txEl>
+                                          </p:spTgt>
+                                        </p:tgtEl>
+                                        <p:attrNameLst>
+                                          <p:attrName>ppt_y</p:attrName>
+                                        </p:attrNameLst>
+                                      </p:cBhvr>
+                                      <p:tavLst>
+                                        <p:tav tm="0">
+                                          <p:val>
+                                            <p:strVal val="#ppt_y+.1"/>
+                                          </p:val>
+                                        </p:tav>
+                                        <p:tav tm="100000">
+                                          <p:val>
+                                            <p:strVal val="#ppt_y"/>
+                                          </p:val>
+                                        </p:tav>
+                                      </p:tavLst>
+                                    </p:anim>
+                                  </p:childTnLst>
+                                </p:cTn>
+                              </p:par>
+                            </p:childTnLst>
+                          </p:cTn>
+                        </p:par>
+                      </p:childTnLst>
+                    </p:cTn>
+                  </p:par>
+                  <p:par>
+                    <p:cTn id="10" fill="hold">
+                      <p:stCondLst>
+                        <p:cond delay="indefinite"/>
+                      </p:stCondLst>
+                      <p:childTnLst>
+                        <p:par>
+                          <p:cTn id="11" fill="hold">
+                            <p:stCondLst>
+                              <p:cond delay="0"/>
+                            </p:stCondLst>
+                            <p:childTnLst>
+                              <p:par>
+                                <p:cTn id="12" presetID="42" presetClass="entr" presetSubtype="0" fill="hold" grpId="0" nodeType="clickEffect">
+                                  <p:stCondLst>
+                                    <p:cond delay="0"/>
+                                  </p:stCondLst>
+                                  <p:childTnLst>
+                                    <p:set>
+                                      <p:cBhvr>
+                                        <p:cTn id="13" dur="1" fill="hold">
+                                          <p:stCondLst>
+                                            <p:cond delay="0"/>
+                                          </p:stCondLst>
+                                        </p:cTn>
+                                        <p:tgtEl>
+                                          <p:spTgt spid="3">
+                                            <p:txEl>
+                                              <p:pRg st="1" end="1"/>
+                                            </p:txEl>
+                                          </p:spTgt>
+                                        </p:tgtEl>
+                                        <p:attrNameLst>
+                                          <p:attrName>style.visibility</p:attrName>
+                                        </p:attrNameLst>
+                                      </p:cBhvr>
+                                      <p:to>
+                                        <p:strVal val="visible"/>
+                                      </p:to>
+                                    </p:set>
+                                    <p:animEffect transition="in" filter="fade">
+                                      <p:cBhvr>
+                                        <p:cTn id="14" dur="1000"/>
+                                        <p:tgtEl>
+                                          <p:spTgt spid="3">
+                                            <p:txEl>
+                                              <p:pRg st="1" end="1"/>
+                                            </p:txEl>
+                                          </p:spTgt>
+                                        </p:tgtEl>
+                                      </p:cBhvr>
+                                    </p:animEffect>
+                                    <p:anim calcmode="lin" valueType="num">
+                                      <p:cBhvr>
+                                        <p:cTn id="15" dur="1000" fill="hold"/>
+                                        <p:tgtEl>
+                                          <p:spTgt spid="3">
+                                            <p:txEl>
+                                              <p:pRg st="1" end="1"/>
+                                            </p:txEl>
+                                          </p:spTgt>
+                                        </p:tgtEl>
+                                        <p:attrNameLst>
+                                          <p:attrName>ppt_x</p:attrName>
+                                        </p:attrNameLst>
+                                      </p:cBhvr>
+                                      <p:tavLst>
+                                        <p:tav tm="0">
+                                          <p:val>
+                                            <p:strVal val="#ppt_x"/>
+                                          </p:val>
+                                        </p:tav>
+                                        <p:tav tm="100000">
+                                          <p:val>
+                                            <p:strVal val="#ppt_x"/>
+                                          </p:val>
+                                        </p:tav>
+                                      </p:tavLst>
+                                    </p:anim>
+                                    <p:anim calcmode="lin" valueType="num">
+                                      <p:cBhvr>
+                                        <p:cTn id="16" dur="1000" fill="hold"/>
+                                        <p:tgtEl>
+                                          <p:spTgt spid="3">
+                                            <p:txEl>
+                                              <p:pRg st="1" end="1"/>
+                                            </p:txEl>
+                                          </p:spTgt>
+                                        </p:tgtEl>
+                                        <p:attrNameLst>
+                                          <p:attrName>ppt_y</p:attrName>
+                                        </p:attrNameLst>
+                                      </p:cBhvr>
+                                      <p:tavLst>
+                                        <p:tav tm="0">
+                                          <p:val>
+                                            <p:strVal val="#ppt_y+.1"/>
+                                          </p:val>
+                                        </p:tav>
+                                        <p:tav tm="100000">
+                                          <p:val>
+                                            <p:strVal val="#ppt_y"/>
+                                          </p:val>
+                                        </p:tav>
+                                      </p:tavLst>
+                                    </p:anim>
+                                  </p:childTnLst>
+                                </p:cTn>
+                              </p:par>
+                            </p:childTnLst>
+                          </p:cTn>
+                        </p:par>
+                      </p:childTnLst>
+                    </p:cTn>
+                  </p:par>
+                  <p:par>
+                    <p:cTn id="17" fill="hold">
+                      <p:stCondLst>
+                        <p:cond delay="indefinite"/>
+                      </p:stCondLst>
+                      <p:childTnLst>
+                        <p:par>
+                          <p:cTn id="18" fill="hold">
+                            <p:stCondLst>
+                              <p:cond delay="0"/>
+                            </p:stCondLst>
+                            <p:childTnLst>
+                              <p:par>
+                                <p:cTn id="19" presetID="31" presetClass="entr" presetSubtype="0" fill="hold" nodeType="clickEffect">
+                                  <p:stCondLst>
+                                    <p:cond delay="0"/>
+                                  </p:stCondLst>
+                                  <p:childTnLst>
+                                    <p:set>
+                                      <p:cBhvr>
+                                        <p:cTn id="20" dur="1" fill="hold">
+                                          <p:stCondLst>
+                                            <p:cond delay="0"/>
+                                          </p:stCondLst>
+                                        </p:cTn>
+                                        <p:tgtEl>
+                                          <p:spTgt spid="5"/>
+                                        </p:tgtEl>
+                                        <p:attrNameLst>
+                                          <p:attrName>style.visibility</p:attrName>
+                                        </p:attrNameLst>
+                                      </p:cBhvr>
+                                      <p:to>
+                                        <p:strVal val="visible"/>
+                                      </p:to>
+                                    </p:set>
+                                    <p:anim calcmode="lin" valueType="num">
+                                      <p:cBhvr>
+                                        <p:cTn id="21" dur="1000" fill="hold"/>
+                                        <p:tgtEl>
+                                          <p:spTgt spid="5"/>
+                                        </p:tgtEl>
+                                        <p:attrNameLst>
+                                          <p:attrName>ppt_w</p:attrName>
+                                        </p:attrNameLst>
+                                      </p:cBhvr>
+                                      <p:tavLst>
+                                        <p:tav tm="0">
+                                          <p:val>
+                                            <p:fltVal val="0"/>
+                                          </p:val>
+                                        </p:tav>
+                                        <p:tav tm="100000">
+                                          <p:val>
+                                            <p:strVal val="#ppt_w"/>
+                                          </p:val>
+                                        </p:tav>
+                                      </p:tavLst>
+                                    </p:anim>
+                                    <p:anim calcmode="lin" valueType="num">
+                                      <p:cBhvr>
+                                        <p:cTn id="22" dur="1000" fill="hold"/>
+                                        <p:tgtEl>
+                                          <p:spTgt spid="5"/>
+                                        </p:tgtEl>
+                                        <p:attrNameLst>
+                                          <p:attrName>ppt_h</p:attrName>
+                                        </p:attrNameLst>
+                                      </p:cBhvr>
+                                      <p:tavLst>
+                                        <p:tav tm="0">
+                                          <p:val>
+                                            <p:fltVal val="0"/>
+                                          </p:val>
+                                        </p:tav>
+                                        <p:tav tm="100000">
+                                          <p:val>
+                                            <p:strVal val="#ppt_h"/>
+                                          </p:val>
+                                        </p:tav>
+                                      </p:tavLst>
+                                    </p:anim>
+                                    <p:anim calcmode="lin" valueType="num">
+                                      <p:cBhvr>
+                                        <p:cTn id="23" dur="1000" fill="hold"/>
+                                        <p:tgtEl>
+                                          <p:spTgt spid="5"/>
+                                        </p:tgtEl>
+                                        <p:attrNameLst>
+                                          <p:attrName>style.rotation</p:attrName>
+                                        </p:attrNameLst>
+                                      </p:cBhvr>
+                                      <p:tavLst>
+                                        <p:tav tm="0">
+                                          <p:val>
+                                            <p:fltVal val="90"/>
+                                          </p:val>
+                                        </p:tav>
+                                        <p:tav tm="100000">
+                                          <p:val>
+                                            <p:fltVal val="0"/>
+                                          </p:val>
+                                        </p:tav>
+                                      </p:tavLst>
+                                    </p:anim>
+                                    <p:animEffect transition="in" filter="fade">
+                                      <p:cBhvr>
+                                        <p:cTn id="24" dur="1000"/>
+                                        <p:tgtEl>
+                                          <p:spTgt spid="5"/>
+                                        </p:tgtEl>
+                                      </p:cBhvr>
+                                    </p:animEffect>
+                                  </p:childTnLst>
+                                </p:cTn>
+                              </p:par>
+                            </p:childTnLst>
+                          </p:cTn>
+                        </p:par>
+                      </p:childTnLst>
+                    </p:cTn>
+                  </p:par>
+                  <p:par>
+                    <p:cTn id="25" fill="hold">
+                      <p:stCondLst>
+                        <p:cond delay="indefinite"/>
+                      </p:stCondLst>
+                      <p:childTnLst>
+                        <p:par>
+                          <p:cTn id="26" fill="hold">
+                            <p:stCondLst>
+                              <p:cond delay="0"/>
+                            </p:stCondLst>
+                            <p:childTnLst>
+                              <p:par>
+                                <p:cTn id="27" presetID="42" presetClass="entr" presetSubtype="0" fill="hold" grpId="0" nodeType="clickEffect">
+                                  <p:stCondLst>
+                                    <p:cond delay="0"/>
+                                  </p:stCondLst>
+                                  <p:childTnLst>
+                                    <p:set>
+                                      <p:cBhvr>
+                                        <p:cTn id="28" dur="1" fill="hold">
+                                          <p:stCondLst>
+                                            <p:cond delay="0"/>
+                                          </p:stCondLst>
+                                        </p:cTn>
+                                        <p:tgtEl>
+                                          <p:spTgt spid="3">
+                                            <p:txEl>
+                                              <p:pRg st="2" end="2"/>
+                                            </p:txEl>
+                                          </p:spTgt>
+                                        </p:tgtEl>
+                                        <p:attrNameLst>
+                                          <p:attrName>style.visibility</p:attrName>
+                                        </p:attrNameLst>
+                                      </p:cBhvr>
+                                      <p:to>
+                                        <p:strVal val="visible"/>
+                                      </p:to>
+                                    </p:set>
+                                    <p:animEffect transition="in" filter="fade">
+                                      <p:cBhvr>
+                                        <p:cTn id="29" dur="1000"/>
+                                        <p:tgtEl>
+                                          <p:spTgt spid="3">
+                                            <p:txEl>
+                                              <p:pRg st="2" end="2"/>
+                                            </p:txEl>
+                                          </p:spTgt>
+                                        </p:tgtEl>
+                                      </p:cBhvr>
+                                    </p:animEffect>
+                                    <p:anim calcmode="lin" valueType="num">
+                                      <p:cBhvr>
+                                        <p:cTn id="30" dur="1000" fill="hold"/>
+                                        <p:tgtEl>
+                                          <p:spTgt spid="3">
+                                            <p:txEl>
+                                              <p:pRg st="2" end="2"/>
+                                            </p:txEl>
+                                          </p:spTgt>
+                                        </p:tgtEl>
+                                        <p:attrNameLst>
+                                          <p:attrName>ppt_x</p:attrName>
+                                        </p:attrNameLst>
+                                      </p:cBhvr>
+                                      <p:tavLst>
+                                        <p:tav tm="0">
+                                          <p:val>
+                                            <p:strVal val="#ppt_x"/>
+                                          </p:val>
+                                        </p:tav>
+                                        <p:tav tm="100000">
+                                          <p:val>
+                                            <p:strVal val="#ppt_x"/>
+                                          </p:val>
+                                        </p:tav>
+                                      </p:tavLst>
+                                    </p:anim>
+                                    <p:anim calcmode="lin" valueType="num">
+                                      <p:cBhvr>
+                                        <p:cTn id="31" dur="1000" fill="hold"/>
+                                        <p:tgtEl>
+                                          <p:spTgt spid="3">
+                                            <p:txEl>
+                                              <p:pRg st="2" end="2"/>
+                                            </p:txEl>
+                                          </p:spTgt>
+                                        </p:tgtEl>
+                                        <p:attrNameLst>
+                                          <p:attrName>ppt_y</p:attrName>
+                                        </p:attrNameLst>
+                                      </p:cBhvr>
+                                      <p:tavLst>
+                                        <p:tav tm="0">
+                                          <p:val>
+                                            <p:strVal val="#ppt_y+.1"/>
+                                          </p:val>
+                                        </p:tav>
+                                        <p:tav tm="100000">
+                                          <p:val>
+                                            <p:strVal val="#ppt_y"/>
+                                          </p:val>
+                                        </p:tav>
+                                      </p:tavLst>
+                                    </p:anim>
+                                  </p:childTnLst>
+                                </p:cTn>
+                              </p:par>
+                            </p:childTnLst>
+                          </p:cTn>
+                        </p:par>
+                      </p:childTnLst>
+                    </p:cTn>
+                  </p:par>
+                </p:childTnLst>
+              </p:cTn>
+              <p:prevCondLst>
+                <p:cond evt="onPrev" delay="0">
+                  <p:tgtEl>
+                    <p:sldTgt/>
+                  </p:tgtEl>
+                </p:cond>
+              </p:prevCondLst>
+              <p:nextCondLst>
+                <p:cond evt="onNext" delay="0">
+                  <p:tgtEl>
+                    <p:sldTgt/>
+                  </p:tgtEl>
+                </p:cond>
+              </p:nextCondLst>
+            </p:seq>
+          </p:childTnLst>
+        </p:cTn>
+      </p:par>
+    </p:tnLst>
+    <p:bldLst>
+      <p:bldP spid="3" grpId="0" uiExpand="1" build="p"/>
+    </p:bldLst>
+  </p:timing>
 </p:sld>
 </file>
 

--- a/GIP-PPT-2_RS_AdH.pptx
+++ b/GIP-PPT-2_RS_AdH.pptx
@@ -5743,6 +5743,48 @@
               <a:rPr lang="nl-NL" dirty="0"/>
               <a:t>Website gebruiksvriendelijker maken.</a:t>
             </a:r>
+          </a:p>
+          <a:p>
+            <a:r>
+              <a:rPr lang="nl-NL" dirty="0"/>
+              <a:t>Website werkend krijgen (markers)</a:t>
+            </a:r>
+          </a:p>
+          <a:p>
+            <a:r>
+              <a:rPr lang="nl-NL" dirty="0"/>
+              <a:t>Veiligheidsbeleid ontwikkelen</a:t>
+            </a:r>
+          </a:p>
+          <a:p>
+            <a:pPr lvl="1"/>
+            <a:r>
+              <a:rPr lang="nl-NL" dirty="0"/>
+              <a:t>User uploaden bestanden</a:t>
+            </a:r>
+          </a:p>
+          <a:p>
+            <a:pPr lvl="1"/>
+            <a:r>
+              <a:rPr lang="nl-NL" dirty="0"/>
+              <a:t>Mogelijkheid om data van andere users op te vragen</a:t>
+            </a:r>
+          </a:p>
+          <a:p>
+            <a:pPr lvl="1"/>
+            <a:r>
+              <a:rPr lang="nl-NL" dirty="0"/>
+              <a:t>Directe user input naar database (SQL </a:t>
+            </a:r>
+            <a:r>
+              <a:rPr lang="nl-NL" dirty="0" err="1"/>
+              <a:t>Injection</a:t>
+            </a:r>
+            <a:r>
+              <a:rPr lang="nl-NL"/>
+              <a:t>)</a:t>
+            </a:r>
+            <a:endParaRPr lang="nl-NL" dirty="0"/>
           </a:p>
           <a:p>
             <a:endParaRPr lang="nl-NL" dirty="0"/>
@@ -6250,6 +6292,527 @@
                                           <p:spTgt spid="3">
                                             <p:txEl>
                                               <p:pRg st="2" end="2"/>
+                                            </p:txEl>
+                                          </p:spTgt>
+                                        </p:tgtEl>
+                                        <p:attrNameLst>
+                                          <p:attrName>ppt_y</p:attrName>
+                                        </p:attrNameLst>
+                                      </p:cBhvr>
+                                      <p:tavLst>
+                                        <p:tav tm="0">
+                                          <p:val>
+                                            <p:strVal val="#ppt_y+.1"/>
+                                          </p:val>
+                                        </p:tav>
+                                        <p:tav tm="100000">
+                                          <p:val>
+                                            <p:strVal val="#ppt_y"/>
+                                          </p:val>
+                                        </p:tav>
+                                      </p:tavLst>
+                                    </p:anim>
+                                  </p:childTnLst>
+                                </p:cTn>
+                              </p:par>
+                            </p:childTnLst>
+                          </p:cTn>
+                        </p:par>
+                      </p:childTnLst>
+                    </p:cTn>
+                  </p:par>
+                  <p:par>
+                    <p:cTn id="32" fill="hold">
+                      <p:stCondLst>
+                        <p:cond delay="indefinite"/>
+                      </p:stCondLst>
+                      <p:childTnLst>
+                        <p:par>
+                          <p:cTn id="33" fill="hold">
+                            <p:stCondLst>
+                              <p:cond delay="0"/>
+                            </p:stCondLst>
+                            <p:childTnLst>
+                              <p:par>
+                                <p:cTn id="34" presetID="42" presetClass="entr" presetSubtype="0" fill="hold" grpId="0" nodeType="clickEffect">
+                                  <p:stCondLst>
+                                    <p:cond delay="0"/>
+                                  </p:stCondLst>
+                                  <p:childTnLst>
+                                    <p:set>
+                                      <p:cBhvr>
+                                        <p:cTn id="35" dur="1" fill="hold">
+                                          <p:stCondLst>
+                                            <p:cond delay="0"/>
+                                          </p:stCondLst>
+                                        </p:cTn>
+                                        <p:tgtEl>
+                                          <p:spTgt spid="3">
+                                            <p:txEl>
+                                              <p:pRg st="3" end="3"/>
+                                            </p:txEl>
+                                          </p:spTgt>
+                                        </p:tgtEl>
+                                        <p:attrNameLst>
+                                          <p:attrName>style.visibility</p:attrName>
+                                        </p:attrNameLst>
+                                      </p:cBhvr>
+                                      <p:to>
+                                        <p:strVal val="visible"/>
+                                      </p:to>
+                                    </p:set>
+                                    <p:animEffect transition="in" filter="fade">
+                                      <p:cBhvr>
+                                        <p:cTn id="36" dur="1000"/>
+                                        <p:tgtEl>
+                                          <p:spTgt spid="3">
+                                            <p:txEl>
+                                              <p:pRg st="3" end="3"/>
+                                            </p:txEl>
+                                          </p:spTgt>
+                                        </p:tgtEl>
+                                      </p:cBhvr>
+                                    </p:animEffect>
+                                    <p:anim calcmode="lin" valueType="num">
+                                      <p:cBhvr>
+                                        <p:cTn id="37" dur="1000" fill="hold"/>
+                                        <p:tgtEl>
+                                          <p:spTgt spid="3">
+                                            <p:txEl>
+                                              <p:pRg st="3" end="3"/>
+                                            </p:txEl>
+                                          </p:spTgt>
+                                        </p:tgtEl>
+                                        <p:attrNameLst>
+                                          <p:attrName>ppt_x</p:attrName>
+                                        </p:attrNameLst>
+                                      </p:cBhvr>
+                                      <p:tavLst>
+                                        <p:tav tm="0">
+                                          <p:val>
+                                            <p:strVal val="#ppt_x"/>
+                                          </p:val>
+                                        </p:tav>
+                                        <p:tav tm="100000">
+                                          <p:val>
+                                            <p:strVal val="#ppt_x"/>
+                                          </p:val>
+                                        </p:tav>
+                                      </p:tavLst>
+                                    </p:anim>
+                                    <p:anim calcmode="lin" valueType="num">
+                                      <p:cBhvr>
+                                        <p:cTn id="38" dur="1000" fill="hold"/>
+                                        <p:tgtEl>
+                                          <p:spTgt spid="3">
+                                            <p:txEl>
+                                              <p:pRg st="3" end="3"/>
+                                            </p:txEl>
+                                          </p:spTgt>
+                                        </p:tgtEl>
+                                        <p:attrNameLst>
+                                          <p:attrName>ppt_y</p:attrName>
+                                        </p:attrNameLst>
+                                      </p:cBhvr>
+                                      <p:tavLst>
+                                        <p:tav tm="0">
+                                          <p:val>
+                                            <p:strVal val="#ppt_y+.1"/>
+                                          </p:val>
+                                        </p:tav>
+                                        <p:tav tm="100000">
+                                          <p:val>
+                                            <p:strVal val="#ppt_y"/>
+                                          </p:val>
+                                        </p:tav>
+                                      </p:tavLst>
+                                    </p:anim>
+                                  </p:childTnLst>
+                                </p:cTn>
+                              </p:par>
+                            </p:childTnLst>
+                          </p:cTn>
+                        </p:par>
+                      </p:childTnLst>
+                    </p:cTn>
+                  </p:par>
+                  <p:par>
+                    <p:cTn id="39" fill="hold">
+                      <p:stCondLst>
+                        <p:cond delay="indefinite"/>
+                      </p:stCondLst>
+                      <p:childTnLst>
+                        <p:par>
+                          <p:cTn id="40" fill="hold">
+                            <p:stCondLst>
+                              <p:cond delay="0"/>
+                            </p:stCondLst>
+                            <p:childTnLst>
+                              <p:par>
+                                <p:cTn id="41" presetID="42" presetClass="entr" presetSubtype="0" fill="hold" grpId="0" nodeType="clickEffect">
+                                  <p:stCondLst>
+                                    <p:cond delay="0"/>
+                                  </p:stCondLst>
+                                  <p:childTnLst>
+                                    <p:set>
+                                      <p:cBhvr>
+                                        <p:cTn id="42" dur="1" fill="hold">
+                                          <p:stCondLst>
+                                            <p:cond delay="0"/>
+                                          </p:stCondLst>
+                                        </p:cTn>
+                                        <p:tgtEl>
+                                          <p:spTgt spid="3">
+                                            <p:txEl>
+                                              <p:pRg st="4" end="4"/>
+                                            </p:txEl>
+                                          </p:spTgt>
+                                        </p:tgtEl>
+                                        <p:attrNameLst>
+                                          <p:attrName>style.visibility</p:attrName>
+                                        </p:attrNameLst>
+                                      </p:cBhvr>
+                                      <p:to>
+                                        <p:strVal val="visible"/>
+                                      </p:to>
+                                    </p:set>
+                                    <p:animEffect transition="in" filter="fade">
+                                      <p:cBhvr>
+                                        <p:cTn id="43" dur="1000"/>
+                                        <p:tgtEl>
+                                          <p:spTgt spid="3">
+                                            <p:txEl>
+                                              <p:pRg st="4" end="4"/>
+                                            </p:txEl>
+                                          </p:spTgt>
+                                        </p:tgtEl>
+                                      </p:cBhvr>
+                                    </p:animEffect>
+                                    <p:anim calcmode="lin" valueType="num">
+                                      <p:cBhvr>
+                                        <p:cTn id="44" dur="1000" fill="hold"/>
+                                        <p:tgtEl>
+                                          <p:spTgt spid="3">
+                                            <p:txEl>
+                                              <p:pRg st="4" end="4"/>
+                                            </p:txEl>
+                                          </p:spTgt>
+                                        </p:tgtEl>
+                                        <p:attrNameLst>
+                                          <p:attrName>ppt_x</p:attrName>
+                                        </p:attrNameLst>
+                                      </p:cBhvr>
+                                      <p:tavLst>
+                                        <p:tav tm="0">
+                                          <p:val>
+                                            <p:strVal val="#ppt_x"/>
+                                          </p:val>
+                                        </p:tav>
+                                        <p:tav tm="100000">
+                                          <p:val>
+                                            <p:strVal val="#ppt_x"/>
+                                          </p:val>
+                                        </p:tav>
+                                      </p:tavLst>
+                                    </p:anim>
+                                    <p:anim calcmode="lin" valueType="num">
+                                      <p:cBhvr>
+                                        <p:cTn id="45" dur="1000" fill="hold"/>
+                                        <p:tgtEl>
+                                          <p:spTgt spid="3">
+                                            <p:txEl>
+                                              <p:pRg st="4" end="4"/>
+                                            </p:txEl>
+                                          </p:spTgt>
+                                        </p:tgtEl>
+                                        <p:attrNameLst>
+                                          <p:attrName>ppt_y</p:attrName>
+                                        </p:attrNameLst>
+                                      </p:cBhvr>
+                                      <p:tavLst>
+                                        <p:tav tm="0">
+                                          <p:val>
+                                            <p:strVal val="#ppt_y+.1"/>
+                                          </p:val>
+                                        </p:tav>
+                                        <p:tav tm="100000">
+                                          <p:val>
+                                            <p:strVal val="#ppt_y"/>
+                                          </p:val>
+                                        </p:tav>
+                                      </p:tavLst>
+                                    </p:anim>
+                                  </p:childTnLst>
+                                </p:cTn>
+                              </p:par>
+                              <p:par>
+                                <p:cTn id="46" presetID="42" presetClass="entr" presetSubtype="0" fill="hold" grpId="0" nodeType="withEffect">
+                                  <p:stCondLst>
+                                    <p:cond delay="0"/>
+                                  </p:stCondLst>
+                                  <p:childTnLst>
+                                    <p:set>
+                                      <p:cBhvr>
+                                        <p:cTn id="47" dur="1" fill="hold">
+                                          <p:stCondLst>
+                                            <p:cond delay="0"/>
+                                          </p:stCondLst>
+                                        </p:cTn>
+                                        <p:tgtEl>
+                                          <p:spTgt spid="3">
+                                            <p:txEl>
+                                              <p:pRg st="5" end="5"/>
+                                            </p:txEl>
+                                          </p:spTgt>
+                                        </p:tgtEl>
+                                        <p:attrNameLst>
+                                          <p:attrName>style.visibility</p:attrName>
+                                        </p:attrNameLst>
+                                      </p:cBhvr>
+                                      <p:to>
+                                        <p:strVal val="visible"/>
+                                      </p:to>
+                                    </p:set>
+                                    <p:animEffect transition="in" filter="fade">
+                                      <p:cBhvr>
+                                        <p:cTn id="48" dur="1000"/>
+                                        <p:tgtEl>
+                                          <p:spTgt spid="3">
+                                            <p:txEl>
+                                              <p:pRg st="5" end="5"/>
+                                            </p:txEl>
+                                          </p:spTgt>
+                                        </p:tgtEl>
+                                      </p:cBhvr>
+                                    </p:animEffect>
+                                    <p:anim calcmode="lin" valueType="num">
+                                      <p:cBhvr>
+                                        <p:cTn id="49" dur="1000" fill="hold"/>
+                                        <p:tgtEl>
+                                          <p:spTgt spid="3">
+                                            <p:txEl>
+                                              <p:pRg st="5" end="5"/>
+                                            </p:txEl>
+                                          </p:spTgt>
+                                        </p:tgtEl>
+                                        <p:attrNameLst>
+                                          <p:attrName>ppt_x</p:attrName>
+                                        </p:attrNameLst>
+                                      </p:cBhvr>
+                                      <p:tavLst>
+                                        <p:tav tm="0">
+                                          <p:val>
+                                            <p:strVal val="#ppt_x"/>
+                                          </p:val>
+                                        </p:tav>
+                                        <p:tav tm="100000">
+                                          <p:val>
+                                            <p:strVal val="#ppt_x"/>
+                                          </p:val>
+                                        </p:tav>
+                                      </p:tavLst>
+                                    </p:anim>
+                                    <p:anim calcmode="lin" valueType="num">
+                                      <p:cBhvr>
+                                        <p:cTn id="50" dur="1000" fill="hold"/>
+                                        <p:tgtEl>
+                                          <p:spTgt spid="3">
+                                            <p:txEl>
+                                              <p:pRg st="5" end="5"/>
+                                            </p:txEl>
+                                          </p:spTgt>
+                                        </p:tgtEl>
+                                        <p:attrNameLst>
+                                          <p:attrName>ppt_y</p:attrName>
+                                        </p:attrNameLst>
+                                      </p:cBhvr>
+                                      <p:tavLst>
+                                        <p:tav tm="0">
+                                          <p:val>
+                                            <p:strVal val="#ppt_y+.1"/>
+                                          </p:val>
+                                        </p:tav>
+                                        <p:tav tm="100000">
+                                          <p:val>
+                                            <p:strVal val="#ppt_y"/>
+                                          </p:val>
+                                        </p:tav>
+                                      </p:tavLst>
+                                    </p:anim>
+                                  </p:childTnLst>
+                                </p:cTn>
+                              </p:par>
+                              <p:par>
+                                <p:cTn id="51" presetID="42" presetClass="entr" presetSubtype="0" fill="hold" grpId="0" nodeType="withEffect">
+                                  <p:stCondLst>
+                                    <p:cond delay="0"/>
+                                  </p:stCondLst>
+                                  <p:childTnLst>
+                                    <p:set>
+                                      <p:cBhvr>
+                                        <p:cTn id="52" dur="1" fill="hold">
+                                          <p:stCondLst>
+                                            <p:cond delay="0"/>
+                                          </p:stCondLst>
+                                        </p:cTn>
+                                        <p:tgtEl>
+                                          <p:spTgt spid="3">
+                                            <p:txEl>
+                                              <p:pRg st="6" end="6"/>
+                                            </p:txEl>
+                                          </p:spTgt>
+                                        </p:tgtEl>
+                                        <p:attrNameLst>
+                                          <p:attrName>style.visibility</p:attrName>
+                                        </p:attrNameLst>
+                                      </p:cBhvr>
+                                      <p:to>
+                                        <p:strVal val="visible"/>
+                                      </p:to>
+                                    </p:set>
+                                    <p:animEffect transition="in" filter="fade">
+                                      <p:cBhvr>
+                                        <p:cTn id="53" dur="1000"/>
+                                        <p:tgtEl>
+                                          <p:spTgt spid="3">
+                                            <p:txEl>
+                                              <p:pRg st="6" end="6"/>
+                                            </p:txEl>
+                                          </p:spTgt>
+                                        </p:tgtEl>
+                                      </p:cBhvr>
+                                    </p:animEffect>
+                                    <p:anim calcmode="lin" valueType="num">
+                                      <p:cBhvr>
+                                        <p:cTn id="54" dur="1000" fill="hold"/>
+                                        <p:tgtEl>
+                                          <p:spTgt spid="3">
+                                            <p:txEl>
+                                              <p:pRg st="6" end="6"/>
+                                            </p:txEl>
+                                          </p:spTgt>
+                                        </p:tgtEl>
+                                        <p:attrNameLst>
+                                          <p:attrName>ppt_x</p:attrName>
+                                        </p:attrNameLst>
+                                      </p:cBhvr>
+                                      <p:tavLst>
+                                        <p:tav tm="0">
+                                          <p:val>
+                                            <p:strVal val="#ppt_x"/>
+                                          </p:val>
+                                        </p:tav>
+                                        <p:tav tm="100000">
+                                          <p:val>
+                                            <p:strVal val="#ppt_x"/>
+                                          </p:val>
+                                        </p:tav>
+                                      </p:tavLst>
+                                    </p:anim>
+                                    <p:anim calcmode="lin" valueType="num">
+                                      <p:cBhvr>
+                                        <p:cTn id="55" dur="1000" fill="hold"/>
+                                        <p:tgtEl>
+                                          <p:spTgt spid="3">
+                                            <p:txEl>
+                                              <p:pRg st="6" end="6"/>
+                                            </p:txEl>
+                                          </p:spTgt>
+                                        </p:tgtEl>
+                                        <p:attrNameLst>
+                                          <p:attrName>ppt_y</p:attrName>
+                                        </p:attrNameLst>
+                                      </p:cBhvr>
+                                      <p:tavLst>
+                                        <p:tav tm="0">
+                                          <p:val>
+                                            <p:strVal val="#ppt_y+.1"/>
+                                          </p:val>
+                                        </p:tav>
+                                        <p:tav tm="100000">
+                                          <p:val>
+                                            <p:strVal val="#ppt_y"/>
+                                          </p:val>
+                                        </p:tav>
+                                      </p:tavLst>
+                                    </p:anim>
+                                  </p:childTnLst>
+                                </p:cTn>
+                              </p:par>
+                              <p:par>
+                                <p:cTn id="56" presetID="42" presetClass="entr" presetSubtype="0" fill="hold" grpId="0" nodeType="withEffect">
+                                  <p:stCondLst>
+                                    <p:cond delay="0"/>
+                                  </p:stCondLst>
+                                  <p:childTnLst>
+                                    <p:set>
+                                      <p:cBhvr>
+                                        <p:cTn id="57" dur="1" fill="hold">
+                                          <p:stCondLst>
+                                            <p:cond delay="0"/>
+                                          </p:stCondLst>
+                                        </p:cTn>
+                                        <p:tgtEl>
+                                          <p:spTgt spid="3">
+                                            <p:txEl>
+                                              <p:pRg st="7" end="7"/>
+                                            </p:txEl>
+                                          </p:spTgt>
+                                        </p:tgtEl>
+                                        <p:attrNameLst>
+                                          <p:attrName>style.visibility</p:attrName>
+                                        </p:attrNameLst>
+                                      </p:cBhvr>
+                                      <p:to>
+                                        <p:strVal val="visible"/>
+                                      </p:to>
+                                    </p:set>
+                                    <p:animEffect transition="in" filter="fade">
+                                      <p:cBhvr>
+                                        <p:cTn id="58" dur="1000"/>
+                                        <p:tgtEl>
+                                          <p:spTgt spid="3">
+                                            <p:txEl>
+                                              <p:pRg st="7" end="7"/>
+                                            </p:txEl>
+                                          </p:spTgt>
+                                        </p:tgtEl>
+                                      </p:cBhvr>
+                                    </p:animEffect>
+                                    <p:anim calcmode="lin" valueType="num">
+                                      <p:cBhvr>
+                                        <p:cTn id="59" dur="1000" fill="hold"/>
+                                        <p:tgtEl>
+                                          <p:spTgt spid="3">
+                                            <p:txEl>
+                                              <p:pRg st="7" end="7"/>
+                                            </p:txEl>
+                                          </p:spTgt>
+                                        </p:tgtEl>
+                                        <p:attrNameLst>
+                                          <p:attrName>ppt_x</p:attrName>
+                                        </p:attrNameLst>
+                                      </p:cBhvr>
+                                      <p:tavLst>
+                                        <p:tav tm="0">
+                                          <p:val>
+                                            <p:strVal val="#ppt_x"/>
+                                          </p:val>
+                                        </p:tav>
+                                        <p:tav tm="100000">
+                                          <p:val>
+                                            <p:strVal val="#ppt_x"/>
+                                          </p:val>
+                                        </p:tav>
+                                      </p:tavLst>
+                                    </p:anim>
+                                    <p:anim calcmode="lin" valueType="num">
+                                      <p:cBhvr>
+                                        <p:cTn id="60" dur="1000" fill="hold"/>
+                                        <p:tgtEl>
+                                          <p:spTgt spid="3">
+                                            <p:txEl>
+                                              <p:pRg st="7" end="7"/>
                                             </p:txEl>
                                           </p:spTgt>
                                         </p:tgtEl>

--- a/GIP-PPT-2_RS_AdH.pptx
+++ b/GIP-PPT-2_RS_AdH.pptx
@@ -4778,7 +4778,7 @@
           <a:p>
             <a:r>
               <a:rPr lang="nl-NL" dirty="0"/>
-              <a:t>Grafieken gebied gebonden maken.</a:t>
+              <a:t>Grafieken locatie en gebruiker gebonden maken.</a:t>
             </a:r>
           </a:p>
           <a:p>
@@ -5781,10 +5781,9 @@
               <a:t>Injection</a:t>
             </a:r>
             <a:r>
-              <a:rPr lang="nl-NL"/>
+              <a:rPr lang="nl-NL" dirty="0"/>
               <a:t>)</a:t>
             </a:r>
-            <a:endParaRPr lang="nl-NL" dirty="0"/>
           </a:p>
           <a:p>
             <a:endParaRPr lang="nl-NL" dirty="0"/>

--- a/GIP-PPT-2_RS_AdH.pptx
+++ b/GIP-PPT-2_RS_AdH.pptx
@@ -4616,13 +4616,7 @@
           <a:p>
             <a:r>
               <a:rPr lang="nl-NL" dirty="0"/>
-              <a:t>Beoogde eindresultaat</a:t>
-            </a:r>
-          </a:p>
-          <a:p>
-            <a:r>
-              <a:rPr lang="nl-NL" dirty="0"/>
-              <a:t>Detailontwerp </a:t>
+              <a:t>Beoogde eindresultaat </a:t>
             </a:r>
           </a:p>
           <a:p>
@@ -4641,18 +4635,6 @@
             <a:r>
               <a:rPr lang="nl-NL" dirty="0"/>
               <a:t>Stand van zaken</a:t>
-            </a:r>
-          </a:p>
-          <a:p>
-            <a:r>
-              <a:rPr lang="nl-NL" dirty="0"/>
-              <a:t>Probleemstelling</a:t>
-            </a:r>
-          </a:p>
-          <a:p>
-            <a:r>
-              <a:rPr lang="nl-NL" dirty="0"/>
-              <a:t>Invloeden van de verschillende metingen </a:t>
             </a:r>
           </a:p>
         </p:txBody>
